--- a/455DS-Ch09_Summary.pptx
+++ b/455DS-Ch09_Summary.pptx
@@ -269,7 +269,7 @@
               <a:rPr lang="en-US" dirty="0">
                 <a:latin typeface="Tahoma" pitchFamily="34" charset="0"/>
               </a:rPr>
-              <a:t>455DE: Spark for Data Engineers</a:t>
+              <a:t>455DS: Spark for Data Scientists</a:t>
             </a:r>
           </a:p>
         </p:txBody>
@@ -328,7 +328,7 @@
                 <a:ea typeface="Tahoma" pitchFamily="34" charset="0"/>
                 <a:cs typeface="Tahoma" pitchFamily="34" charset="0"/>
               </a:rPr>
-              <a:t>Chapter 7</a:t>
+              <a:t>Chapter 9</a:t>
             </a:r>
           </a:p>
         </p:txBody>
@@ -718,7 +718,7 @@
                 </a:solidFill>
                 <a:latin typeface="Tahoma" pitchFamily="34" charset="0"/>
               </a:rPr>
-              <a:t>Chapter 7-</a:t>
+              <a:t>Chapter 9-</a:t>
             </a:r>
             <a:fld id="{9C58707A-6F60-4D20-8A8B-4F90B88EA4F7}" type="slidenum">
               <a:rPr lang="en-US" sz="1200" smtClean="0">
@@ -791,7 +791,7 @@
                 </a:solidFill>
                 <a:latin typeface="Tahoma" pitchFamily="34" charset="0"/>
               </a:rPr>
-              <a:t>455DE: Spark for Data Engineers</a:t>
+              <a:t>455DS: Spark for Data Scientists</a:t>
             </a:r>
           </a:p>
         </p:txBody>
@@ -5814,7 +5814,7 @@
                 <a:ea typeface="Tahoma" panose="020B0604030504040204" pitchFamily="34" charset="0"/>
                 <a:cs typeface="Tahoma" panose="020B0604030504040204" pitchFamily="34" charset="0"/>
               </a:rPr>
-              <a:t>455DE: Spark for Data Engineers</a:t>
+              <a:t>455DS: Spark for Data Scientists</a:t>
             </a:r>
           </a:p>
         </p:txBody>
@@ -5864,7 +5864,7 @@
                 </a:solidFill>
                 <a:latin typeface="Calibri" pitchFamily="34" charset="0"/>
               </a:rPr>
-              <a:t>7-</a:t>
+              <a:t>9-</a:t>
             </a:r>
             <a:fld id="{B722F7F8-9603-472A-A081-A1C5DB32BB89}" type="slidenum">
               <a:rPr lang="en-US" sz="1100" b="0" smtClean="0">
@@ -6467,7 +6467,7 @@
           <a:p>
             <a:r>
               <a:rPr lang="en-US" dirty="0"/>
-              <a:t>Spark for Data Engineers</a:t>
+              <a:t>Spark for Data Scientists</a:t>
             </a:r>
           </a:p>
         </p:txBody>
@@ -6559,6 +6559,21 @@
               <a:rPr lang="en-US" dirty="0"/>
               <a:t>Discovered the basic machine learning models of Cluster, Regression, and Classification</a:t>
             </a:r>
+          </a:p>
+          <a:p>
+            <a:r>
+              <a:rPr lang="en-US" dirty="0"/>
+              <a:t>Investigated Deep Learning</a:t>
+            </a:r>
+          </a:p>
+          <a:p>
+            <a:r>
+              <a:rPr lang="en-US" dirty="0"/>
+              <a:t>Built Pipelines</a:t>
+            </a:r>
+          </a:p>
+          <a:p>
+            <a:endParaRPr lang="en-US" dirty="0"/>
           </a:p>
         </p:txBody>
       </p:sp>
@@ -10760,15 +10775,6 @@
 </file>
 
 <file path=customXml/item1.xml><?xml version="1.0" encoding="utf-8"?>
-<?mso-contentType ?>
-<FormTemplates xmlns="http://schemas.microsoft.com/sharepoint/v3/contenttype/forms">
-  <Display>DocumentLibraryForm</Display>
-  <Edit>DocumentLibraryForm</Edit>
-  <New>DocumentLibraryForm</New>
-</FormTemplates>
-</file>
-
-<file path=customXml/item2.xml><?xml version="1.0" encoding="utf-8"?>
 <ct:contentTypeSchema xmlns:ct="http://schemas.microsoft.com/office/2006/metadata/contentType" xmlns:ma="http://schemas.microsoft.com/office/2006/metadata/properties/metaAttributes" ct:_="" ma:_="" ma:contentTypeName="Document" ma:contentTypeID="0x0101004C58D7A746750E48B9E257CBBD401C71" ma:contentTypeVersion="5" ma:contentTypeDescription="Create a new document." ma:contentTypeScope="" ma:versionID="9b104746e7bcdc89d5c9d8909bc79033">
   <xsd:schema xmlns:xsd="http://www.w3.org/2001/XMLSchema" xmlns:xs="http://www.w3.org/2001/XMLSchema" xmlns:p="http://schemas.microsoft.com/office/2006/metadata/properties" xmlns:ns2="3f1ded34-099e-46dd-b0de-95a90e7e1e5f" targetNamespace="http://schemas.microsoft.com/office/2006/metadata/properties" ma:root="true" ma:fieldsID="39039af933a2d9dca5a96354c4c2b0ed" ns2:_="">
     <xsd:import namespace="3f1ded34-099e-46dd-b0de-95a90e7e1e5f"/>
@@ -10920,21 +10926,22 @@
 </ct:contentTypeSchema>
 </file>
 
-<file path=customXml/item3.xml><?xml version="1.0" encoding="utf-8"?>
+<file path=customXml/item2.xml><?xml version="1.0" encoding="utf-8"?>
 <p:properties xmlns:p="http://schemas.microsoft.com/office/2006/metadata/properties" xmlns:xsi="http://www.w3.org/2001/XMLSchema-instance" xmlns:pc="http://schemas.microsoft.com/office/infopath/2007/PartnerControls">
   <documentManagement/>
 </p:properties>
 </file>
 
-<file path=customXml/itemProps1.xml><?xml version="1.0" encoding="utf-8"?>
-<ds:datastoreItem xmlns:ds="http://schemas.openxmlformats.org/officeDocument/2006/customXml" ds:itemID="{2DA015F3-603C-4688-A5F3-81D587DAB8C9}">
-  <ds:schemaRefs>
-    <ds:schemaRef ds:uri="http://schemas.microsoft.com/sharepoint/v3/contenttype/forms"/>
-  </ds:schemaRefs>
-</ds:datastoreItem>
+<file path=customXml/item3.xml><?xml version="1.0" encoding="utf-8"?>
+<?mso-contentType ?>
+<FormTemplates xmlns="http://schemas.microsoft.com/sharepoint/v3/contenttype/forms">
+  <Display>DocumentLibraryForm</Display>
+  <Edit>DocumentLibraryForm</Edit>
+  <New>DocumentLibraryForm</New>
+</FormTemplates>
 </file>
 
-<file path=customXml/itemProps2.xml><?xml version="1.0" encoding="utf-8"?>
+<file path=customXml/itemProps1.xml><?xml version="1.0" encoding="utf-8"?>
 <ds:datastoreItem xmlns:ds="http://schemas.openxmlformats.org/officeDocument/2006/customXml" ds:itemID="{6751EBC6-C433-43E6-8F46-C6D6D677BF51}">
   <ds:schemaRefs>
     <ds:schemaRef ds:uri="http://schemas.microsoft.com/office/2006/metadata/contentType"/>
@@ -10952,7 +10959,7 @@
 </ds:datastoreItem>
 </file>
 
-<file path=customXml/itemProps3.xml><?xml version="1.0" encoding="utf-8"?>
+<file path=customXml/itemProps2.xml><?xml version="1.0" encoding="utf-8"?>
 <ds:datastoreItem xmlns:ds="http://schemas.openxmlformats.org/officeDocument/2006/customXml" ds:itemID="{F47B9207-CE5C-49AD-B414-15CBFA246D65}">
   <ds:schemaRefs>
     <ds:schemaRef ds:uri="http://schemas.microsoft.com/office/2006/metadata/properties"/>
@@ -10966,4 +10973,12 @@
     <ds:schemaRef ds:uri="http://www.w3.org/XML/1998/namespace"/>
   </ds:schemaRefs>
 </ds:datastoreItem>
+</file>
+
+<file path=customXml/itemProps3.xml><?xml version="1.0" encoding="utf-8"?>
+<ds:datastoreItem xmlns:ds="http://schemas.openxmlformats.org/officeDocument/2006/customXml" ds:itemID="{2DA015F3-603C-4688-A5F3-81D587DAB8C9}">
+  <ds:schemaRefs>
+    <ds:schemaRef ds:uri="http://schemas.microsoft.com/sharepoint/v3/contenttype/forms"/>
+  </ds:schemaRefs>
+</ds:datastoreItem>
 </file>
--- a/455DS-Ch09_Summary.pptx
+++ b/455DS-Ch09_Summary.pptx
@@ -7952,56 +7952,38 @@
       </p:graphicFrame>
       <p:pic>
         <p:nvPicPr>
-          <p:cNvPr id="9" name="Picture 3" descr="tick">
+          <p:cNvPr id="10" name="Picture 9" descr="A group of people around each other&#10;&#10;Description automatically generated">
             <a:extLst>
               <a:ext uri="{FF2B5EF4-FFF2-40B4-BE49-F238E27FC236}">
-                <a16:creationId xmlns:a16="http://schemas.microsoft.com/office/drawing/2014/main" id="{1DB4FF4E-3B40-4D0B-826C-316BD3F2647A}"/>
+                <a16:creationId xmlns:a16="http://schemas.microsoft.com/office/drawing/2014/main" id="{9530CFD6-10BF-4E3C-BD53-B9F61757453A}"/>
               </a:ext>
             </a:extLst>
           </p:cNvPr>
           <p:cNvPicPr>
-            <a:picLocks noChangeAspect="1" noChangeArrowheads="1"/>
+            <a:picLocks noChangeAspect="1"/>
           </p:cNvPicPr>
           <p:nvPr/>
         </p:nvPicPr>
         <p:blipFill>
-          <a:blip r:embed="rId4"/>
-          <a:srcRect/>
+          <a:blip r:embed="rId4">
+            <a:extLst>
+              <a:ext uri="{28A0092B-C50C-407E-A947-70E740481C1C}">
+                <a14:useLocalDpi xmlns:a14="http://schemas.microsoft.com/office/drawing/2010/main" val="0"/>
+              </a:ext>
+            </a:extLst>
+          </a:blip>
           <a:stretch>
             <a:fillRect/>
           </a:stretch>
         </p:blipFill>
-        <p:spPr bwMode="auto">
+        <p:spPr>
           <a:xfrm>
-            <a:off x="7590290" y="4585429"/>
-            <a:ext cx="1481197" cy="1666340"/>
+            <a:off x="7360818" y="3601894"/>
+            <a:ext cx="1703641" cy="2473599"/>
           </a:xfrm>
           <a:prstGeom prst="rect">
             <a:avLst/>
           </a:prstGeom>
-          <a:ln>
-            <a:noFill/>
-          </a:ln>
-          <a:effectLst/>
-          <a:extLst>
-            <a:ext uri="{909E8E84-426E-40DD-AFC4-6F175D3DCCD1}">
-              <a14:hiddenFill xmlns:a14="http://schemas.microsoft.com/office/drawing/2010/main">
-                <a:solidFill>
-                  <a:srgbClr val="FFFFFF"/>
-                </a:solidFill>
-              </a14:hiddenFill>
-            </a:ext>
-            <a:ext uri="{91240B29-F687-4F45-9708-019B960494DF}">
-              <a14:hiddenLine xmlns:a14="http://schemas.microsoft.com/office/drawing/2010/main" w="9525">
-                <a:solidFill>
-                  <a:srgbClr val="000000"/>
-                </a:solidFill>
-                <a:miter lim="800000"/>
-                <a:headEnd/>
-                <a:tailEnd/>
-              </a14:hiddenLine>
-            </a:ext>
-          </a:extLst>
         </p:spPr>
       </p:pic>
     </p:spTree>
@@ -10775,6 +10757,21 @@
 </file>
 
 <file path=customXml/item1.xml><?xml version="1.0" encoding="utf-8"?>
+<?mso-contentType ?>
+<FormTemplates xmlns="http://schemas.microsoft.com/sharepoint/v3/contenttype/forms">
+  <Display>DocumentLibraryForm</Display>
+  <Edit>DocumentLibraryForm</Edit>
+  <New>DocumentLibraryForm</New>
+</FormTemplates>
+</file>
+
+<file path=customXml/item2.xml><?xml version="1.0" encoding="utf-8"?>
+<p:properties xmlns:p="http://schemas.microsoft.com/office/2006/metadata/properties" xmlns:xsi="http://www.w3.org/2001/XMLSchema-instance" xmlns:pc="http://schemas.microsoft.com/office/infopath/2007/PartnerControls">
+  <documentManagement/>
+</p:properties>
+</file>
+
+<file path=customXml/item3.xml><?xml version="1.0" encoding="utf-8"?>
 <ct:contentTypeSchema xmlns:ct="http://schemas.microsoft.com/office/2006/metadata/contentType" xmlns:ma="http://schemas.microsoft.com/office/2006/metadata/properties/metaAttributes" ct:_="" ma:_="" ma:contentTypeName="Document" ma:contentTypeID="0x0101004C58D7A746750E48B9E257CBBD401C71" ma:contentTypeVersion="5" ma:contentTypeDescription="Create a new document." ma:contentTypeScope="" ma:versionID="9b104746e7bcdc89d5c9d8909bc79033">
   <xsd:schema xmlns:xsd="http://www.w3.org/2001/XMLSchema" xmlns:xs="http://www.w3.org/2001/XMLSchema" xmlns:p="http://schemas.microsoft.com/office/2006/metadata/properties" xmlns:ns2="3f1ded34-099e-46dd-b0de-95a90e7e1e5f" targetNamespace="http://schemas.microsoft.com/office/2006/metadata/properties" ma:root="true" ma:fieldsID="39039af933a2d9dca5a96354c4c2b0ed" ns2:_="">
     <xsd:import namespace="3f1ded34-099e-46dd-b0de-95a90e7e1e5f"/>
@@ -10926,35 +10923,10 @@
 </ct:contentTypeSchema>
 </file>
 
-<file path=customXml/item2.xml><?xml version="1.0" encoding="utf-8"?>
-<p:properties xmlns:p="http://schemas.microsoft.com/office/2006/metadata/properties" xmlns:xsi="http://www.w3.org/2001/XMLSchema-instance" xmlns:pc="http://schemas.microsoft.com/office/infopath/2007/PartnerControls">
-  <documentManagement/>
-</p:properties>
-</file>
-
-<file path=customXml/item3.xml><?xml version="1.0" encoding="utf-8"?>
-<?mso-contentType ?>
-<FormTemplates xmlns="http://schemas.microsoft.com/sharepoint/v3/contenttype/forms">
-  <Display>DocumentLibraryForm</Display>
-  <Edit>DocumentLibraryForm</Edit>
-  <New>DocumentLibraryForm</New>
-</FormTemplates>
-</file>
-
 <file path=customXml/itemProps1.xml><?xml version="1.0" encoding="utf-8"?>
-<ds:datastoreItem xmlns:ds="http://schemas.openxmlformats.org/officeDocument/2006/customXml" ds:itemID="{6751EBC6-C433-43E6-8F46-C6D6D677BF51}">
+<ds:datastoreItem xmlns:ds="http://schemas.openxmlformats.org/officeDocument/2006/customXml" ds:itemID="{2DA015F3-603C-4688-A5F3-81D587DAB8C9}">
   <ds:schemaRefs>
-    <ds:schemaRef ds:uri="http://schemas.microsoft.com/office/2006/metadata/contentType"/>
-    <ds:schemaRef ds:uri="http://schemas.microsoft.com/office/2006/metadata/properties/metaAttributes"/>
-    <ds:schemaRef ds:uri="http://www.w3.org/2001/XMLSchema"/>
-    <ds:schemaRef ds:uri="http://schemas.microsoft.com/office/2006/metadata/properties"/>
-    <ds:schemaRef ds:uri="3f1ded34-099e-46dd-b0de-95a90e7e1e5f"/>
-    <ds:schemaRef ds:uri="http://schemas.microsoft.com/office/2006/documentManagement/types"/>
-    <ds:schemaRef ds:uri="http://schemas.microsoft.com/office/infopath/2007/PartnerControls"/>
-    <ds:schemaRef ds:uri="http://schemas.openxmlformats.org/package/2006/metadata/core-properties"/>
-    <ds:schemaRef ds:uri="http://purl.org/dc/elements/1.1/"/>
-    <ds:schemaRef ds:uri="http://purl.org/dc/terms/"/>
-    <ds:schemaRef ds:uri="http://schemas.microsoft.com/internal/obd"/>
+    <ds:schemaRef ds:uri="http://schemas.microsoft.com/sharepoint/v3/contenttype/forms"/>
   </ds:schemaRefs>
 </ds:datastoreItem>
 </file>
@@ -10976,9 +10948,19 @@
 </file>
 
 <file path=customXml/itemProps3.xml><?xml version="1.0" encoding="utf-8"?>
-<ds:datastoreItem xmlns:ds="http://schemas.openxmlformats.org/officeDocument/2006/customXml" ds:itemID="{2DA015F3-603C-4688-A5F3-81D587DAB8C9}">
+<ds:datastoreItem xmlns:ds="http://schemas.openxmlformats.org/officeDocument/2006/customXml" ds:itemID="{6751EBC6-C433-43E6-8F46-C6D6D677BF51}">
   <ds:schemaRefs>
-    <ds:schemaRef ds:uri="http://schemas.microsoft.com/sharepoint/v3/contenttype/forms"/>
+    <ds:schemaRef ds:uri="http://schemas.microsoft.com/office/2006/metadata/contentType"/>
+    <ds:schemaRef ds:uri="http://schemas.microsoft.com/office/2006/metadata/properties/metaAttributes"/>
+    <ds:schemaRef ds:uri="http://www.w3.org/2001/XMLSchema"/>
+    <ds:schemaRef ds:uri="http://schemas.microsoft.com/office/2006/metadata/properties"/>
+    <ds:schemaRef ds:uri="3f1ded34-099e-46dd-b0de-95a90e7e1e5f"/>
+    <ds:schemaRef ds:uri="http://schemas.microsoft.com/office/2006/documentManagement/types"/>
+    <ds:schemaRef ds:uri="http://schemas.microsoft.com/office/infopath/2007/PartnerControls"/>
+    <ds:schemaRef ds:uri="http://schemas.openxmlformats.org/package/2006/metadata/core-properties"/>
+    <ds:schemaRef ds:uri="http://purl.org/dc/elements/1.1/"/>
+    <ds:schemaRef ds:uri="http://purl.org/dc/terms/"/>
+    <ds:schemaRef ds:uri="http://schemas.microsoft.com/internal/obd"/>
   </ds:schemaRefs>
 </ds:datastoreItem>
 </file>